--- a/documents/presentation.pptx
+++ b/documents/presentation.pptx
@@ -9,6 +9,7 @@
     <p:sldId id="257" r:id="rId3"/>
     <p:sldId id="259" r:id="rId4"/>
     <p:sldId id="258" r:id="rId5"/>
+    <p:sldId id="260" r:id="rId6"/>
   </p:sldIdLst>
   <p:sldSz cx="9144000" cy="6858000" type="screen4x3"/>
   <p:notesSz cx="6858000" cy="9144000"/>
@@ -283,6 +284,7 @@
           <a:p>
             <a:fld id="{231DBD38-5688-4A89-A4F1-DA3E9E7E1932}" type="datetimeFigureOut">
               <a:rPr lang="sv-FI" smtClean="0"/>
+              <a:pPr/>
               <a:t>10.10.2013</a:t>
             </a:fld>
             <a:endParaRPr lang="sv-FI"/>
@@ -325,6 +327,7 @@
           <a:p>
             <a:fld id="{A947D4EF-C6FF-40CF-AA5E-6D5995E5E7E0}" type="slidenum">
               <a:rPr lang="sv-FI" smtClean="0"/>
+              <a:pPr/>
               <a:t>‹#›</a:t>
             </a:fld>
             <a:endParaRPr lang="sv-FI"/>
@@ -448,6 +451,7 @@
           <a:p>
             <a:fld id="{231DBD38-5688-4A89-A4F1-DA3E9E7E1932}" type="datetimeFigureOut">
               <a:rPr lang="sv-FI" smtClean="0"/>
+              <a:pPr/>
               <a:t>10.10.2013</a:t>
             </a:fld>
             <a:endParaRPr lang="sv-FI"/>
@@ -490,6 +494,7 @@
           <a:p>
             <a:fld id="{A947D4EF-C6FF-40CF-AA5E-6D5995E5E7E0}" type="slidenum">
               <a:rPr lang="sv-FI" smtClean="0"/>
+              <a:pPr/>
               <a:t>‹#›</a:t>
             </a:fld>
             <a:endParaRPr lang="sv-FI"/>
@@ -623,6 +628,7 @@
           <a:p>
             <a:fld id="{231DBD38-5688-4A89-A4F1-DA3E9E7E1932}" type="datetimeFigureOut">
               <a:rPr lang="sv-FI" smtClean="0"/>
+              <a:pPr/>
               <a:t>10.10.2013</a:t>
             </a:fld>
             <a:endParaRPr lang="sv-FI"/>
@@ -665,6 +671,7 @@
           <a:p>
             <a:fld id="{A947D4EF-C6FF-40CF-AA5E-6D5995E5E7E0}" type="slidenum">
               <a:rPr lang="sv-FI" smtClean="0"/>
+              <a:pPr/>
               <a:t>‹#›</a:t>
             </a:fld>
             <a:endParaRPr lang="sv-FI"/>
@@ -788,6 +795,7 @@
           <a:p>
             <a:fld id="{231DBD38-5688-4A89-A4F1-DA3E9E7E1932}" type="datetimeFigureOut">
               <a:rPr lang="sv-FI" smtClean="0"/>
+              <a:pPr/>
               <a:t>10.10.2013</a:t>
             </a:fld>
             <a:endParaRPr lang="sv-FI"/>
@@ -830,6 +838,7 @@
           <a:p>
             <a:fld id="{A947D4EF-C6FF-40CF-AA5E-6D5995E5E7E0}" type="slidenum">
               <a:rPr lang="sv-FI" smtClean="0"/>
+              <a:pPr/>
               <a:t>‹#›</a:t>
             </a:fld>
             <a:endParaRPr lang="sv-FI"/>
@@ -1030,6 +1039,7 @@
           <a:p>
             <a:fld id="{231DBD38-5688-4A89-A4F1-DA3E9E7E1932}" type="datetimeFigureOut">
               <a:rPr lang="sv-FI" smtClean="0"/>
+              <a:pPr/>
               <a:t>10.10.2013</a:t>
             </a:fld>
             <a:endParaRPr lang="sv-FI"/>
@@ -1072,6 +1082,7 @@
           <a:p>
             <a:fld id="{A947D4EF-C6FF-40CF-AA5E-6D5995E5E7E0}" type="slidenum">
               <a:rPr lang="sv-FI" smtClean="0"/>
+              <a:pPr/>
               <a:t>‹#›</a:t>
             </a:fld>
             <a:endParaRPr lang="sv-FI"/>
@@ -1294,6 +1305,7 @@
           <a:p>
             <a:fld id="{231DBD38-5688-4A89-A4F1-DA3E9E7E1932}" type="datetimeFigureOut">
               <a:rPr lang="sv-FI" smtClean="0"/>
+              <a:pPr/>
               <a:t>10.10.2013</a:t>
             </a:fld>
             <a:endParaRPr lang="sv-FI"/>
@@ -1336,6 +1348,7 @@
           <a:p>
             <a:fld id="{A947D4EF-C6FF-40CF-AA5E-6D5995E5E7E0}" type="slidenum">
               <a:rPr lang="sv-FI" smtClean="0"/>
+              <a:pPr/>
               <a:t>‹#›</a:t>
             </a:fld>
             <a:endParaRPr lang="sv-FI"/>
@@ -1672,6 +1685,7 @@
           <a:p>
             <a:fld id="{231DBD38-5688-4A89-A4F1-DA3E9E7E1932}" type="datetimeFigureOut">
               <a:rPr lang="sv-FI" smtClean="0"/>
+              <a:pPr/>
               <a:t>10.10.2013</a:t>
             </a:fld>
             <a:endParaRPr lang="sv-FI"/>
@@ -1714,6 +1728,7 @@
           <a:p>
             <a:fld id="{A947D4EF-C6FF-40CF-AA5E-6D5995E5E7E0}" type="slidenum">
               <a:rPr lang="sv-FI" smtClean="0"/>
+              <a:pPr/>
               <a:t>‹#›</a:t>
             </a:fld>
             <a:endParaRPr lang="sv-FI"/>
@@ -1822,6 +1837,7 @@
           <a:p>
             <a:fld id="{231DBD38-5688-4A89-A4F1-DA3E9E7E1932}" type="datetimeFigureOut">
               <a:rPr lang="sv-FI" smtClean="0"/>
+              <a:pPr/>
               <a:t>10.10.2013</a:t>
             </a:fld>
             <a:endParaRPr lang="sv-FI"/>
@@ -1864,6 +1880,7 @@
           <a:p>
             <a:fld id="{A947D4EF-C6FF-40CF-AA5E-6D5995E5E7E0}" type="slidenum">
               <a:rPr lang="sv-FI" smtClean="0"/>
+              <a:pPr/>
               <a:t>‹#›</a:t>
             </a:fld>
             <a:endParaRPr lang="sv-FI"/>
@@ -1912,6 +1929,7 @@
           <a:p>
             <a:fld id="{231DBD38-5688-4A89-A4F1-DA3E9E7E1932}" type="datetimeFigureOut">
               <a:rPr lang="sv-FI" smtClean="0"/>
+              <a:pPr/>
               <a:t>10.10.2013</a:t>
             </a:fld>
             <a:endParaRPr lang="sv-FI"/>
@@ -1954,6 +1972,7 @@
           <a:p>
             <a:fld id="{A947D4EF-C6FF-40CF-AA5E-6D5995E5E7E0}" type="slidenum">
               <a:rPr lang="sv-FI" smtClean="0"/>
+              <a:pPr/>
               <a:t>‹#›</a:t>
             </a:fld>
             <a:endParaRPr lang="sv-FI"/>
@@ -2173,6 +2192,7 @@
           <a:p>
             <a:fld id="{231DBD38-5688-4A89-A4F1-DA3E9E7E1932}" type="datetimeFigureOut">
               <a:rPr lang="sv-FI" smtClean="0"/>
+              <a:pPr/>
               <a:t>10.10.2013</a:t>
             </a:fld>
             <a:endParaRPr lang="sv-FI"/>
@@ -2215,6 +2235,7 @@
           <a:p>
             <a:fld id="{A947D4EF-C6FF-40CF-AA5E-6D5995E5E7E0}" type="slidenum">
               <a:rPr lang="sv-FI" smtClean="0"/>
+              <a:pPr/>
               <a:t>‹#›</a:t>
             </a:fld>
             <a:endParaRPr lang="sv-FI"/>
@@ -2461,6 +2482,7 @@
           <a:p>
             <a:fld id="{231DBD38-5688-4A89-A4F1-DA3E9E7E1932}" type="datetimeFigureOut">
               <a:rPr lang="sv-FI" smtClean="0"/>
+              <a:pPr/>
               <a:t>10.10.2013</a:t>
             </a:fld>
             <a:endParaRPr lang="sv-FI"/>
@@ -2508,6 +2530,7 @@
           <a:p>
             <a:fld id="{A947D4EF-C6FF-40CF-AA5E-6D5995E5E7E0}" type="slidenum">
               <a:rPr lang="sv-FI" smtClean="0"/>
+              <a:pPr/>
               <a:t>‹#›</a:t>
             </a:fld>
             <a:endParaRPr lang="sv-FI"/>
@@ -3232,6 +3255,7 @@
           <a:p>
             <a:fld id="{231DBD38-5688-4A89-A4F1-DA3E9E7E1932}" type="datetimeFigureOut">
               <a:rPr lang="sv-FI" smtClean="0"/>
+              <a:pPr/>
               <a:t>10.10.2013</a:t>
             </a:fld>
             <a:endParaRPr lang="sv-FI"/>
@@ -3310,6 +3334,7 @@
           <a:p>
             <a:fld id="{A947D4EF-C6FF-40CF-AA5E-6D5995E5E7E0}" type="slidenum">
               <a:rPr lang="sv-FI" smtClean="0"/>
+              <a:pPr/>
               <a:t>‹#›</a:t>
             </a:fld>
             <a:endParaRPr lang="sv-FI"/>
@@ -3966,30 +3991,40 @@
           <a:lstStyle/>
           <a:p>
             <a:r>
-              <a:rPr lang="sv-FI" dirty="0" smtClean="0"/>
+              <a:rPr lang="sv-FI" dirty="0" smtClean="0">
+                <a:latin typeface="+mj-lt"/>
+              </a:rPr>
               <a:t>Light Weight Java Game Library (LWJGL)</a:t>
             </a:r>
           </a:p>
           <a:p>
             <a:pPr lvl="1"/>
             <a:r>
-              <a:rPr lang="sv-FI" dirty="0" smtClean="0"/>
+              <a:rPr lang="sv-FI" dirty="0" smtClean="0">
+                <a:latin typeface="+mj-lt"/>
+              </a:rPr>
               <a:t>OpenGL bindings</a:t>
             </a:r>
           </a:p>
           <a:p>
             <a:r>
-              <a:rPr lang="sv-FI" dirty="0" smtClean="0"/>
+              <a:rPr lang="sv-FI" dirty="0" smtClean="0">
+                <a:latin typeface="+mj-lt"/>
+              </a:rPr>
               <a:t>Themable Widget Library (TWL)</a:t>
             </a:r>
           </a:p>
           <a:p>
             <a:pPr lvl="1"/>
             <a:r>
-              <a:rPr lang="sv-FI" dirty="0" smtClean="0"/>
+              <a:rPr lang="sv-FI" dirty="0" smtClean="0">
+                <a:latin typeface="+mj-lt"/>
+              </a:rPr>
               <a:t>Themable menus (a lot like Swing)</a:t>
             </a:r>
-            <a:endParaRPr lang="sv-FI" dirty="0"/>
+            <a:endParaRPr lang="sv-FI" dirty="0">
+              <a:latin typeface="+mj-lt"/>
+            </a:endParaRPr>
           </a:p>
         </p:txBody>
       </p:sp>
@@ -4057,30 +4092,74 @@
           <a:lstStyle/>
           <a:p>
             <a:r>
-              <a:rPr lang="sv-FI" dirty="0" smtClean="0"/>
-              <a:t>G value</a:t>
-            </a:r>
+              <a:rPr lang="sv-FI" dirty="0" smtClean="0">
+                <a:latin typeface="+mj-lt"/>
+              </a:rPr>
+              <a:t>G-value</a:t>
+            </a:r>
+            <a:endParaRPr lang="sv-FI" dirty="0" smtClean="0">
+              <a:latin typeface="+mj-lt"/>
+            </a:endParaRPr>
           </a:p>
           <a:p>
             <a:pPr lvl="1"/>
             <a:r>
-              <a:rPr lang="sv-FI" smtClean="0"/>
-              <a:t>The</a:t>
-            </a:r>
-            <a:endParaRPr lang="sv-FI" dirty="0" smtClean="0"/>
-          </a:p>
-          <a:p>
-            <a:r>
-              <a:rPr lang="sv-FI" dirty="0" smtClean="0"/>
-              <a:t>F value</a:t>
-            </a:r>
-          </a:p>
-          <a:p>
-            <a:r>
-              <a:rPr lang="sv-FI" dirty="0" smtClean="0"/>
-              <a:t>H value</a:t>
-            </a:r>
-            <a:endParaRPr lang="sv-FI" dirty="0"/>
+              <a:rPr lang="sv-FI" dirty="0" smtClean="0">
+                <a:latin typeface="+mj-lt"/>
+              </a:rPr>
+              <a:t>Total cost to get to the Current Node</a:t>
+            </a:r>
+            <a:endParaRPr lang="sv-FI" dirty="0" smtClean="0">
+              <a:latin typeface="+mj-lt"/>
+            </a:endParaRPr>
+          </a:p>
+          <a:p>
+            <a:r>
+              <a:rPr lang="sv-FI" dirty="0" smtClean="0">
+                <a:latin typeface="+mj-lt"/>
+              </a:rPr>
+              <a:t>H-value</a:t>
+            </a:r>
+          </a:p>
+          <a:p>
+            <a:pPr lvl="1"/>
+            <a:r>
+              <a:rPr lang="sv-FI" dirty="0" smtClean="0">
+                <a:latin typeface="+mj-lt"/>
+              </a:rPr>
+              <a:t>Total cost to get to the Goal from Current</a:t>
+            </a:r>
+          </a:p>
+          <a:p>
+            <a:r>
+              <a:rPr lang="sv-FI" dirty="0" smtClean="0">
+                <a:latin typeface="+mj-lt"/>
+              </a:rPr>
+              <a:t>F-value</a:t>
+            </a:r>
+          </a:p>
+          <a:p>
+            <a:pPr lvl="1"/>
+            <a:r>
+              <a:rPr lang="sv-FI" dirty="0" smtClean="0">
+                <a:latin typeface="+mj-lt"/>
+              </a:rPr>
+              <a:t>G + H</a:t>
+            </a:r>
+          </a:p>
+          <a:p>
+            <a:pPr lvl="1"/>
+            <a:endParaRPr lang="sv-FI" dirty="0" smtClean="0">
+              <a:latin typeface="+mj-lt"/>
+            </a:endParaRPr>
+          </a:p>
+          <a:p>
+            <a:r>
+              <a:rPr lang="sv-FI" dirty="0" smtClean="0">
+                <a:latin typeface="+mj-lt"/>
+              </a:rPr>
+              <a:t>Nodes are sorted by lowest F-value in a Priority Queue</a:t>
+            </a:r>
           </a:p>
         </p:txBody>
       </p:sp>
@@ -4148,37 +4227,148 @@
           <a:lstStyle/>
           <a:p>
             <a:r>
+              <a:rPr lang="sv-FI" dirty="0" smtClean="0">
+                <a:latin typeface="+mj-lt"/>
+              </a:rPr>
+              <a:t>Game Loop</a:t>
+            </a:r>
+          </a:p>
+          <a:p>
+            <a:pPr lvl="1"/>
+            <a:r>
+              <a:rPr lang="sv-FI" dirty="0" smtClean="0">
+                <a:latin typeface="+mj-lt"/>
+              </a:rPr>
+              <a:t>Only one evaluation per update</a:t>
+            </a:r>
+          </a:p>
+          <a:p>
+            <a:pPr lvl="2"/>
+            <a:r>
+              <a:rPr lang="sv-FI" dirty="0" smtClean="0">
+                <a:latin typeface="+mj-lt"/>
+              </a:rPr>
+              <a:t>60 fps = 60 evaluations</a:t>
+            </a:r>
+          </a:p>
+          <a:p>
+            <a:pPr lvl="2"/>
+            <a:r>
+              <a:rPr lang="sv-FI" dirty="0" smtClean="0">
+                <a:latin typeface="+mj-lt"/>
+              </a:rPr>
+              <a:t>Calculates the G value when the node is reached</a:t>
+            </a:r>
+          </a:p>
+          <a:p>
+            <a:pPr lvl="2"/>
+            <a:r>
+              <a:rPr lang="sv-FI" dirty="0" smtClean="0">
+                <a:latin typeface="+mj-lt"/>
+              </a:rPr>
+              <a:t>Calculates the F value based on current node and Goal Node</a:t>
+            </a:r>
+          </a:p>
+        </p:txBody>
+      </p:sp>
+    </p:spTree>
+  </p:cSld>
+  <p:clrMapOvr>
+    <a:masterClrMapping/>
+  </p:clrMapOvr>
+</p:sld>
+</file>
+
+<file path=ppt/slides/slide5.xml><?xml version="1.0" encoding="utf-8"?>
+<p:sld xmlns:a="http://schemas.openxmlformats.org/drawingml/2006/main" xmlns:r="http://schemas.openxmlformats.org/officeDocument/2006/relationships" xmlns:p="http://schemas.openxmlformats.org/presentationml/2006/main">
+  <p:cSld>
+    <p:spTree>
+      <p:nvGrpSpPr>
+        <p:cNvPr id="1" name=""/>
+        <p:cNvGrpSpPr/>
+        <p:nvPr/>
+      </p:nvGrpSpPr>
+      <p:grpSpPr>
+        <a:xfrm>
+          <a:off x="0" y="0"/>
+          <a:ext cx="0" cy="0"/>
+          <a:chOff x="0" y="0"/>
+          <a:chExt cx="0" cy="0"/>
+        </a:xfrm>
+      </p:grpSpPr>
+      <p:sp>
+        <p:nvSpPr>
+          <p:cNvPr id="2" name="Title 1"/>
+          <p:cNvSpPr>
+            <a:spLocks noGrp="1"/>
+          </p:cNvSpPr>
+          <p:nvPr>
+            <p:ph type="title"/>
+          </p:nvPr>
+        </p:nvSpPr>
+        <p:spPr/>
+        <p:txBody>
+          <a:bodyPr/>
+          <a:lstStyle/>
+          <a:p>
+            <a:r>
               <a:rPr lang="sv-FI" dirty="0" smtClean="0"/>
-              <a:t>Game Loop</a:t>
+              <a:t>Heuristic</a:t>
+            </a:r>
+            <a:endParaRPr lang="sv-FI" dirty="0"/>
+          </a:p>
+        </p:txBody>
+      </p:sp>
+      <p:sp>
+        <p:nvSpPr>
+          <p:cNvPr id="3" name="Content Placeholder 2"/>
+          <p:cNvSpPr>
+            <a:spLocks noGrp="1"/>
+          </p:cNvSpPr>
+          <p:nvPr>
+            <p:ph idx="1"/>
+          </p:nvPr>
+        </p:nvSpPr>
+        <p:spPr/>
+        <p:txBody>
+          <a:bodyPr/>
+          <a:lstStyle/>
+          <a:p>
+            <a:r>
+              <a:rPr lang="sv-FI" dirty="0" smtClean="0">
+                <a:latin typeface="+mj-lt"/>
+              </a:rPr>
+              <a:t>Manhattan</a:t>
             </a:r>
           </a:p>
           <a:p>
             <a:pPr lvl="1"/>
             <a:r>
-              <a:rPr lang="sv-FI" dirty="0" smtClean="0"/>
-              <a:t>Only one evaluation per update</a:t>
-            </a:r>
-          </a:p>
-          <a:p>
-            <a:pPr lvl="2"/>
-            <a:r>
-              <a:rPr lang="sv-FI" dirty="0" smtClean="0"/>
-              <a:t>60 fps = 60 evaluations</a:t>
-            </a:r>
-          </a:p>
-          <a:p>
-            <a:pPr lvl="2"/>
-            <a:r>
-              <a:rPr lang="sv-FI" dirty="0" smtClean="0"/>
-              <a:t>Calculates the G value when the node is reached</a:t>
-            </a:r>
-          </a:p>
-          <a:p>
-            <a:pPr lvl="2"/>
-            <a:r>
-              <a:rPr lang="sv-FI" dirty="0" smtClean="0"/>
-              <a:t>Calculates the F value based on current node and Goal Node</a:t>
-            </a:r>
+              <a:rPr lang="sv-FI" dirty="0" smtClean="0">
+                <a:latin typeface="+mj-lt"/>
+              </a:rPr>
+              <a:t>H-value = Abs[x2 – x1] + Abs[y2 – y1] + Abs[z2 – z1]</a:t>
+            </a:r>
+          </a:p>
+          <a:p>
+            <a:r>
+              <a:rPr lang="sv-FI" dirty="0" smtClean="0">
+                <a:latin typeface="+mj-lt"/>
+              </a:rPr>
+              <a:t>Dijkstra</a:t>
+            </a:r>
+          </a:p>
+          <a:p>
+            <a:pPr lvl="1"/>
+            <a:r>
+              <a:rPr lang="sv-FI" dirty="0" smtClean="0">
+                <a:latin typeface="+mj-lt"/>
+              </a:rPr>
+              <a:t>H-value = 0</a:t>
+            </a:r>
+            <a:endParaRPr lang="sv-FI" dirty="0">
+              <a:latin typeface="+mj-lt"/>
+            </a:endParaRPr>
           </a:p>
         </p:txBody>
       </p:sp>
